--- a/ppt 16-9/1277.主的小孩来赞.pptx
+++ b/ppt 16-9/1277.主的小孩来赞.pptx
@@ -129,7 +129,7 @@
           <p:cNvPr id="2" name="标题 1">
             <a:extLst>
               <a:ext uri="{FF2B5EF4-FFF2-40B4-BE49-F238E27FC236}">
-                <a16:creationId xmlns:a16="http://schemas.microsoft.com/office/drawing/2014/main" id="{D39A0C77-A712-ED95-2624-92B027013F74}"/>
+                <a16:creationId xmlns:a16="http://schemas.microsoft.com/office/drawing/2014/main" id="{4C11EA8A-A8CE-CA4D-BD80-DE34E1F49FC2}"/>
               </a:ext>
             </a:extLst>
           </p:cNvPr>
@@ -166,7 +166,7 @@
           <p:cNvPr id="3" name="副标题 2">
             <a:extLst>
               <a:ext uri="{FF2B5EF4-FFF2-40B4-BE49-F238E27FC236}">
-                <a16:creationId xmlns:a16="http://schemas.microsoft.com/office/drawing/2014/main" id="{1073CE23-4C32-4DFE-F72B-A9FCAE379C03}"/>
+                <a16:creationId xmlns:a16="http://schemas.microsoft.com/office/drawing/2014/main" id="{F554E0D4-4DEC-21A6-D536-A9BD7F4B05AD}"/>
               </a:ext>
             </a:extLst>
           </p:cNvPr>
@@ -236,7 +236,7 @@
           <p:cNvPr id="4" name="日期占位符 3">
             <a:extLst>
               <a:ext uri="{FF2B5EF4-FFF2-40B4-BE49-F238E27FC236}">
-                <a16:creationId xmlns:a16="http://schemas.microsoft.com/office/drawing/2014/main" id="{9C799F16-8535-73D1-F6C3-26FEFB54E066}"/>
+                <a16:creationId xmlns:a16="http://schemas.microsoft.com/office/drawing/2014/main" id="{3C882FAD-E7F8-27F7-1478-C50F1E05DD77}"/>
               </a:ext>
             </a:extLst>
           </p:cNvPr>
@@ -252,7 +252,7 @@
           <a:bodyPr/>
           <a:lstStyle/>
           <a:p>
-            <a:fld id="{9B0C4167-0C9A-4EAB-A7B5-2C8E0F254AD0}" type="datetimeFigureOut">
+            <a:fld id="{411E7C80-2827-4377-B14A-A80ABB7CD3C8}" type="datetimeFigureOut">
               <a:rPr lang="zh-CN" altLang="en-US" smtClean="0"/>
               <a:t>2024/3/10</a:t>
             </a:fld>
@@ -265,7 +265,7 @@
           <p:cNvPr id="5" name="页脚占位符 4">
             <a:extLst>
               <a:ext uri="{FF2B5EF4-FFF2-40B4-BE49-F238E27FC236}">
-                <a16:creationId xmlns:a16="http://schemas.microsoft.com/office/drawing/2014/main" id="{4DD968E3-36C4-FDE5-DA8A-CC96BA457521}"/>
+                <a16:creationId xmlns:a16="http://schemas.microsoft.com/office/drawing/2014/main" id="{7F1F83B5-298B-4063-74A6-E6794C79AD10}"/>
               </a:ext>
             </a:extLst>
           </p:cNvPr>
@@ -290,7 +290,7 @@
           <p:cNvPr id="6" name="灯片编号占位符 5">
             <a:extLst>
               <a:ext uri="{FF2B5EF4-FFF2-40B4-BE49-F238E27FC236}">
-                <a16:creationId xmlns:a16="http://schemas.microsoft.com/office/drawing/2014/main" id="{660E076F-3770-7B48-33B8-AE7AE45E4436}"/>
+                <a16:creationId xmlns:a16="http://schemas.microsoft.com/office/drawing/2014/main" id="{42C363A0-37C5-41D3-C7A1-82F12F90FEAB}"/>
               </a:ext>
             </a:extLst>
           </p:cNvPr>
@@ -306,7 +306,7 @@
           <a:bodyPr/>
           <a:lstStyle/>
           <a:p>
-            <a:fld id="{D97C83E2-CC1E-48DD-9CF7-CAA73541F1D4}" type="slidenum">
+            <a:fld id="{F952A6E5-C2FD-4D39-8B1D-569E957A19B7}" type="slidenum">
               <a:rPr lang="zh-CN" altLang="en-US" smtClean="0"/>
               <a:t>‹#›</a:t>
             </a:fld>
@@ -317,7 +317,7 @@
     </p:spTree>
     <p:extLst>
       <p:ext uri="{BB962C8B-B14F-4D97-AF65-F5344CB8AC3E}">
-        <p14:creationId xmlns:p14="http://schemas.microsoft.com/office/powerpoint/2010/main" val="3887224170"/>
+        <p14:creationId xmlns:p14="http://schemas.microsoft.com/office/powerpoint/2010/main" val="197310479"/>
       </p:ext>
     </p:extLst>
   </p:cSld>
@@ -349,7 +349,7 @@
           <p:cNvPr id="2" name="标题 1">
             <a:extLst>
               <a:ext uri="{FF2B5EF4-FFF2-40B4-BE49-F238E27FC236}">
-                <a16:creationId xmlns:a16="http://schemas.microsoft.com/office/drawing/2014/main" id="{344763D0-A549-8600-4267-7377D7440261}"/>
+                <a16:creationId xmlns:a16="http://schemas.microsoft.com/office/drawing/2014/main" id="{20C3CB08-B7A9-4355-9003-6EDC62F36A6B}"/>
               </a:ext>
             </a:extLst>
           </p:cNvPr>
@@ -377,7 +377,7 @@
           <p:cNvPr id="3" name="竖排文字占位符 2">
             <a:extLst>
               <a:ext uri="{FF2B5EF4-FFF2-40B4-BE49-F238E27FC236}">
-                <a16:creationId xmlns:a16="http://schemas.microsoft.com/office/drawing/2014/main" id="{14C92A94-EDB7-71FC-CE22-8E636ED9672C}"/>
+                <a16:creationId xmlns:a16="http://schemas.microsoft.com/office/drawing/2014/main" id="{9122604C-DCB3-AB34-937A-0ADC67AB8A9A}"/>
               </a:ext>
             </a:extLst>
           </p:cNvPr>
@@ -434,7 +434,7 @@
           <p:cNvPr id="4" name="日期占位符 3">
             <a:extLst>
               <a:ext uri="{FF2B5EF4-FFF2-40B4-BE49-F238E27FC236}">
-                <a16:creationId xmlns:a16="http://schemas.microsoft.com/office/drawing/2014/main" id="{4060BFE6-939B-8DA7-126C-2D3BB437BEBB}"/>
+                <a16:creationId xmlns:a16="http://schemas.microsoft.com/office/drawing/2014/main" id="{3DD759E7-664F-8EA2-2F62-0C311F99C19B}"/>
               </a:ext>
             </a:extLst>
           </p:cNvPr>
@@ -450,7 +450,7 @@
           <a:bodyPr/>
           <a:lstStyle/>
           <a:p>
-            <a:fld id="{9B0C4167-0C9A-4EAB-A7B5-2C8E0F254AD0}" type="datetimeFigureOut">
+            <a:fld id="{411E7C80-2827-4377-B14A-A80ABB7CD3C8}" type="datetimeFigureOut">
               <a:rPr lang="zh-CN" altLang="en-US" smtClean="0"/>
               <a:t>2024/3/10</a:t>
             </a:fld>
@@ -463,7 +463,7 @@
           <p:cNvPr id="5" name="页脚占位符 4">
             <a:extLst>
               <a:ext uri="{FF2B5EF4-FFF2-40B4-BE49-F238E27FC236}">
-                <a16:creationId xmlns:a16="http://schemas.microsoft.com/office/drawing/2014/main" id="{1DFD4381-1E31-495F-2792-9A94E938F4BF}"/>
+                <a16:creationId xmlns:a16="http://schemas.microsoft.com/office/drawing/2014/main" id="{95BBAE17-E6EC-DE15-DC39-C194E1C6E06B}"/>
               </a:ext>
             </a:extLst>
           </p:cNvPr>
@@ -488,7 +488,7 @@
           <p:cNvPr id="6" name="灯片编号占位符 5">
             <a:extLst>
               <a:ext uri="{FF2B5EF4-FFF2-40B4-BE49-F238E27FC236}">
-                <a16:creationId xmlns:a16="http://schemas.microsoft.com/office/drawing/2014/main" id="{F7A63FCE-713E-F7DE-05A0-1784A2365FAE}"/>
+                <a16:creationId xmlns:a16="http://schemas.microsoft.com/office/drawing/2014/main" id="{4645A7D9-977C-9F36-90C2-EC682796FC21}"/>
               </a:ext>
             </a:extLst>
           </p:cNvPr>
@@ -504,7 +504,7 @@
           <a:bodyPr/>
           <a:lstStyle/>
           <a:p>
-            <a:fld id="{D97C83E2-CC1E-48DD-9CF7-CAA73541F1D4}" type="slidenum">
+            <a:fld id="{F952A6E5-C2FD-4D39-8B1D-569E957A19B7}" type="slidenum">
               <a:rPr lang="zh-CN" altLang="en-US" smtClean="0"/>
               <a:t>‹#›</a:t>
             </a:fld>
@@ -515,7 +515,7 @@
     </p:spTree>
     <p:extLst>
       <p:ext uri="{BB962C8B-B14F-4D97-AF65-F5344CB8AC3E}">
-        <p14:creationId xmlns:p14="http://schemas.microsoft.com/office/powerpoint/2010/main" val="3419559087"/>
+        <p14:creationId xmlns:p14="http://schemas.microsoft.com/office/powerpoint/2010/main" val="2954312982"/>
       </p:ext>
     </p:extLst>
   </p:cSld>
@@ -547,7 +547,7 @@
           <p:cNvPr id="2" name="竖排标题 1">
             <a:extLst>
               <a:ext uri="{FF2B5EF4-FFF2-40B4-BE49-F238E27FC236}">
-                <a16:creationId xmlns:a16="http://schemas.microsoft.com/office/drawing/2014/main" id="{E1465B09-2B0F-3055-9C89-B3042008820F}"/>
+                <a16:creationId xmlns:a16="http://schemas.microsoft.com/office/drawing/2014/main" id="{E7975C57-C402-CABB-C7F9-32600A2F1D68}"/>
               </a:ext>
             </a:extLst>
           </p:cNvPr>
@@ -580,7 +580,7 @@
           <p:cNvPr id="3" name="竖排文字占位符 2">
             <a:extLst>
               <a:ext uri="{FF2B5EF4-FFF2-40B4-BE49-F238E27FC236}">
-                <a16:creationId xmlns:a16="http://schemas.microsoft.com/office/drawing/2014/main" id="{950D66BB-FB47-9EF1-582A-5822A50936FB}"/>
+                <a16:creationId xmlns:a16="http://schemas.microsoft.com/office/drawing/2014/main" id="{C8AD2791-2542-9B1B-A4DA-B5D86F2924EB}"/>
               </a:ext>
             </a:extLst>
           </p:cNvPr>
@@ -642,7 +642,7 @@
           <p:cNvPr id="4" name="日期占位符 3">
             <a:extLst>
               <a:ext uri="{FF2B5EF4-FFF2-40B4-BE49-F238E27FC236}">
-                <a16:creationId xmlns:a16="http://schemas.microsoft.com/office/drawing/2014/main" id="{1ADE6395-4CCD-8DE3-5951-AE1431F15E7B}"/>
+                <a16:creationId xmlns:a16="http://schemas.microsoft.com/office/drawing/2014/main" id="{468792AB-C719-A558-1228-AA4CDF141D1A}"/>
               </a:ext>
             </a:extLst>
           </p:cNvPr>
@@ -658,7 +658,7 @@
           <a:bodyPr/>
           <a:lstStyle/>
           <a:p>
-            <a:fld id="{9B0C4167-0C9A-4EAB-A7B5-2C8E0F254AD0}" type="datetimeFigureOut">
+            <a:fld id="{411E7C80-2827-4377-B14A-A80ABB7CD3C8}" type="datetimeFigureOut">
               <a:rPr lang="zh-CN" altLang="en-US" smtClean="0"/>
               <a:t>2024/3/10</a:t>
             </a:fld>
@@ -671,7 +671,7 @@
           <p:cNvPr id="5" name="页脚占位符 4">
             <a:extLst>
               <a:ext uri="{FF2B5EF4-FFF2-40B4-BE49-F238E27FC236}">
-                <a16:creationId xmlns:a16="http://schemas.microsoft.com/office/drawing/2014/main" id="{4C611A7B-FC4A-89BF-D302-A9B206EC55C5}"/>
+                <a16:creationId xmlns:a16="http://schemas.microsoft.com/office/drawing/2014/main" id="{8F8FF98B-ABD0-2437-6B7C-7A06B94BC800}"/>
               </a:ext>
             </a:extLst>
           </p:cNvPr>
@@ -696,7 +696,7 @@
           <p:cNvPr id="6" name="灯片编号占位符 5">
             <a:extLst>
               <a:ext uri="{FF2B5EF4-FFF2-40B4-BE49-F238E27FC236}">
-                <a16:creationId xmlns:a16="http://schemas.microsoft.com/office/drawing/2014/main" id="{AFB31AC6-F0A8-E345-57E4-B1171F1C6D8E}"/>
+                <a16:creationId xmlns:a16="http://schemas.microsoft.com/office/drawing/2014/main" id="{0098BFDA-6FA6-6BCE-6805-915153E5E3F2}"/>
               </a:ext>
             </a:extLst>
           </p:cNvPr>
@@ -712,7 +712,7 @@
           <a:bodyPr/>
           <a:lstStyle/>
           <a:p>
-            <a:fld id="{D97C83E2-CC1E-48DD-9CF7-CAA73541F1D4}" type="slidenum">
+            <a:fld id="{F952A6E5-C2FD-4D39-8B1D-569E957A19B7}" type="slidenum">
               <a:rPr lang="zh-CN" altLang="en-US" smtClean="0"/>
               <a:t>‹#›</a:t>
             </a:fld>
@@ -723,7 +723,7 @@
     </p:spTree>
     <p:extLst>
       <p:ext uri="{BB962C8B-B14F-4D97-AF65-F5344CB8AC3E}">
-        <p14:creationId xmlns:p14="http://schemas.microsoft.com/office/powerpoint/2010/main" val="1669659521"/>
+        <p14:creationId xmlns:p14="http://schemas.microsoft.com/office/powerpoint/2010/main" val="3543682007"/>
       </p:ext>
     </p:extLst>
   </p:cSld>
@@ -755,7 +755,7 @@
           <p:cNvPr id="2" name="标题 1">
             <a:extLst>
               <a:ext uri="{FF2B5EF4-FFF2-40B4-BE49-F238E27FC236}">
-                <a16:creationId xmlns:a16="http://schemas.microsoft.com/office/drawing/2014/main" id="{99B9A83C-6B9E-F01D-4C0F-8922B1EC2DA1}"/>
+                <a16:creationId xmlns:a16="http://schemas.microsoft.com/office/drawing/2014/main" id="{D34DF19C-94D0-EC61-C2A0-B32AA92B7D83}"/>
               </a:ext>
             </a:extLst>
           </p:cNvPr>
@@ -783,7 +783,7 @@
           <p:cNvPr id="3" name="内容占位符 2">
             <a:extLst>
               <a:ext uri="{FF2B5EF4-FFF2-40B4-BE49-F238E27FC236}">
-                <a16:creationId xmlns:a16="http://schemas.microsoft.com/office/drawing/2014/main" id="{899A9D8F-27AB-B48B-36F4-A8B36D3E3006}"/>
+                <a16:creationId xmlns:a16="http://schemas.microsoft.com/office/drawing/2014/main" id="{0444911A-391E-C56B-E47A-71E624D92149}"/>
               </a:ext>
             </a:extLst>
           </p:cNvPr>
@@ -840,7 +840,7 @@
           <p:cNvPr id="4" name="日期占位符 3">
             <a:extLst>
               <a:ext uri="{FF2B5EF4-FFF2-40B4-BE49-F238E27FC236}">
-                <a16:creationId xmlns:a16="http://schemas.microsoft.com/office/drawing/2014/main" id="{46CF78E7-571A-1C7E-8978-AFB15FE1050F}"/>
+                <a16:creationId xmlns:a16="http://schemas.microsoft.com/office/drawing/2014/main" id="{A256564C-1D1B-00B7-EA78-685B5ACB5383}"/>
               </a:ext>
             </a:extLst>
           </p:cNvPr>
@@ -856,7 +856,7 @@
           <a:bodyPr/>
           <a:lstStyle/>
           <a:p>
-            <a:fld id="{9B0C4167-0C9A-4EAB-A7B5-2C8E0F254AD0}" type="datetimeFigureOut">
+            <a:fld id="{411E7C80-2827-4377-B14A-A80ABB7CD3C8}" type="datetimeFigureOut">
               <a:rPr lang="zh-CN" altLang="en-US" smtClean="0"/>
               <a:t>2024/3/10</a:t>
             </a:fld>
@@ -869,7 +869,7 @@
           <p:cNvPr id="5" name="页脚占位符 4">
             <a:extLst>
               <a:ext uri="{FF2B5EF4-FFF2-40B4-BE49-F238E27FC236}">
-                <a16:creationId xmlns:a16="http://schemas.microsoft.com/office/drawing/2014/main" id="{E8AF03AB-1CEC-864B-D89B-C399DFE4F000}"/>
+                <a16:creationId xmlns:a16="http://schemas.microsoft.com/office/drawing/2014/main" id="{110457C3-0072-8441-AFA9-3000736200C0}"/>
               </a:ext>
             </a:extLst>
           </p:cNvPr>
@@ -894,7 +894,7 @@
           <p:cNvPr id="6" name="灯片编号占位符 5">
             <a:extLst>
               <a:ext uri="{FF2B5EF4-FFF2-40B4-BE49-F238E27FC236}">
-                <a16:creationId xmlns:a16="http://schemas.microsoft.com/office/drawing/2014/main" id="{8B876D2E-047C-C161-5528-81E87513CC1A}"/>
+                <a16:creationId xmlns:a16="http://schemas.microsoft.com/office/drawing/2014/main" id="{E026094D-8C25-E7C5-D7FE-76BF2384818C}"/>
               </a:ext>
             </a:extLst>
           </p:cNvPr>
@@ -910,7 +910,7 @@
           <a:bodyPr/>
           <a:lstStyle/>
           <a:p>
-            <a:fld id="{D97C83E2-CC1E-48DD-9CF7-CAA73541F1D4}" type="slidenum">
+            <a:fld id="{F952A6E5-C2FD-4D39-8B1D-569E957A19B7}" type="slidenum">
               <a:rPr lang="zh-CN" altLang="en-US" smtClean="0"/>
               <a:t>‹#›</a:t>
             </a:fld>
@@ -921,7 +921,7 @@
     </p:spTree>
     <p:extLst>
       <p:ext uri="{BB962C8B-B14F-4D97-AF65-F5344CB8AC3E}">
-        <p14:creationId xmlns:p14="http://schemas.microsoft.com/office/powerpoint/2010/main" val="1628240406"/>
+        <p14:creationId xmlns:p14="http://schemas.microsoft.com/office/powerpoint/2010/main" val="2346861077"/>
       </p:ext>
     </p:extLst>
   </p:cSld>
@@ -953,7 +953,7 @@
           <p:cNvPr id="2" name="标题 1">
             <a:extLst>
               <a:ext uri="{FF2B5EF4-FFF2-40B4-BE49-F238E27FC236}">
-                <a16:creationId xmlns:a16="http://schemas.microsoft.com/office/drawing/2014/main" id="{4DA61500-E29F-6995-814E-F11FC090A7FB}"/>
+                <a16:creationId xmlns:a16="http://schemas.microsoft.com/office/drawing/2014/main" id="{289C5202-4687-B2C9-B15C-A63A63A89649}"/>
               </a:ext>
             </a:extLst>
           </p:cNvPr>
@@ -990,7 +990,7 @@
           <p:cNvPr id="3" name="文本占位符 2">
             <a:extLst>
               <a:ext uri="{FF2B5EF4-FFF2-40B4-BE49-F238E27FC236}">
-                <a16:creationId xmlns:a16="http://schemas.microsoft.com/office/drawing/2014/main" id="{3ABE4089-B2A8-9C85-A585-415D5E2778C2}"/>
+                <a16:creationId xmlns:a16="http://schemas.microsoft.com/office/drawing/2014/main" id="{02E48640-10FB-4005-ABAE-1BEE2EC2352B}"/>
               </a:ext>
             </a:extLst>
           </p:cNvPr>
@@ -1115,7 +1115,7 @@
           <p:cNvPr id="4" name="日期占位符 3">
             <a:extLst>
               <a:ext uri="{FF2B5EF4-FFF2-40B4-BE49-F238E27FC236}">
-                <a16:creationId xmlns:a16="http://schemas.microsoft.com/office/drawing/2014/main" id="{40C805A8-22D8-5764-8FC3-192C4A9B7AC5}"/>
+                <a16:creationId xmlns:a16="http://schemas.microsoft.com/office/drawing/2014/main" id="{EFA340A1-ED6B-EE65-5068-D479972EFD99}"/>
               </a:ext>
             </a:extLst>
           </p:cNvPr>
@@ -1131,7 +1131,7 @@
           <a:bodyPr/>
           <a:lstStyle/>
           <a:p>
-            <a:fld id="{9B0C4167-0C9A-4EAB-A7B5-2C8E0F254AD0}" type="datetimeFigureOut">
+            <a:fld id="{411E7C80-2827-4377-B14A-A80ABB7CD3C8}" type="datetimeFigureOut">
               <a:rPr lang="zh-CN" altLang="en-US" smtClean="0"/>
               <a:t>2024/3/10</a:t>
             </a:fld>
@@ -1144,7 +1144,7 @@
           <p:cNvPr id="5" name="页脚占位符 4">
             <a:extLst>
               <a:ext uri="{FF2B5EF4-FFF2-40B4-BE49-F238E27FC236}">
-                <a16:creationId xmlns:a16="http://schemas.microsoft.com/office/drawing/2014/main" id="{160C1732-E9C5-5F17-648E-6FBDECDCA3AC}"/>
+                <a16:creationId xmlns:a16="http://schemas.microsoft.com/office/drawing/2014/main" id="{25016CF8-1C3D-76A2-6695-2A4E22205D15}"/>
               </a:ext>
             </a:extLst>
           </p:cNvPr>
@@ -1169,7 +1169,7 @@
           <p:cNvPr id="6" name="灯片编号占位符 5">
             <a:extLst>
               <a:ext uri="{FF2B5EF4-FFF2-40B4-BE49-F238E27FC236}">
-                <a16:creationId xmlns:a16="http://schemas.microsoft.com/office/drawing/2014/main" id="{518E6C02-FFF0-D391-8335-A58013D80F7D}"/>
+                <a16:creationId xmlns:a16="http://schemas.microsoft.com/office/drawing/2014/main" id="{FF016301-5EA5-B2CC-6D51-DAA7EBC620FF}"/>
               </a:ext>
             </a:extLst>
           </p:cNvPr>
@@ -1185,7 +1185,7 @@
           <a:bodyPr/>
           <a:lstStyle/>
           <a:p>
-            <a:fld id="{D97C83E2-CC1E-48DD-9CF7-CAA73541F1D4}" type="slidenum">
+            <a:fld id="{F952A6E5-C2FD-4D39-8B1D-569E957A19B7}" type="slidenum">
               <a:rPr lang="zh-CN" altLang="en-US" smtClean="0"/>
               <a:t>‹#›</a:t>
             </a:fld>
@@ -1196,7 +1196,7 @@
     </p:spTree>
     <p:extLst>
       <p:ext uri="{BB962C8B-B14F-4D97-AF65-F5344CB8AC3E}">
-        <p14:creationId xmlns:p14="http://schemas.microsoft.com/office/powerpoint/2010/main" val="2992211345"/>
+        <p14:creationId xmlns:p14="http://schemas.microsoft.com/office/powerpoint/2010/main" val="337694043"/>
       </p:ext>
     </p:extLst>
   </p:cSld>
@@ -1228,7 +1228,7 @@
           <p:cNvPr id="2" name="标题 1">
             <a:extLst>
               <a:ext uri="{FF2B5EF4-FFF2-40B4-BE49-F238E27FC236}">
-                <a16:creationId xmlns:a16="http://schemas.microsoft.com/office/drawing/2014/main" id="{32551D7F-A768-75C8-31B4-16972084E63D}"/>
+                <a16:creationId xmlns:a16="http://schemas.microsoft.com/office/drawing/2014/main" id="{DA900B26-665D-6D89-179C-C198EDDED59F}"/>
               </a:ext>
             </a:extLst>
           </p:cNvPr>
@@ -1256,7 +1256,7 @@
           <p:cNvPr id="3" name="内容占位符 2">
             <a:extLst>
               <a:ext uri="{FF2B5EF4-FFF2-40B4-BE49-F238E27FC236}">
-                <a16:creationId xmlns:a16="http://schemas.microsoft.com/office/drawing/2014/main" id="{710420AB-2CB6-5194-FEE1-2754310B8712}"/>
+                <a16:creationId xmlns:a16="http://schemas.microsoft.com/office/drawing/2014/main" id="{F89A1873-F408-1B31-9DFF-71FA6CA2C635}"/>
               </a:ext>
             </a:extLst>
           </p:cNvPr>
@@ -1318,7 +1318,7 @@
           <p:cNvPr id="4" name="内容占位符 3">
             <a:extLst>
               <a:ext uri="{FF2B5EF4-FFF2-40B4-BE49-F238E27FC236}">
-                <a16:creationId xmlns:a16="http://schemas.microsoft.com/office/drawing/2014/main" id="{E1C4A8AE-3BF0-BB57-0273-41A59A1029D9}"/>
+                <a16:creationId xmlns:a16="http://schemas.microsoft.com/office/drawing/2014/main" id="{30FE9C85-5ACF-FD94-1057-383ECBCE0E9B}"/>
               </a:ext>
             </a:extLst>
           </p:cNvPr>
@@ -1380,7 +1380,7 @@
           <p:cNvPr id="5" name="日期占位符 4">
             <a:extLst>
               <a:ext uri="{FF2B5EF4-FFF2-40B4-BE49-F238E27FC236}">
-                <a16:creationId xmlns:a16="http://schemas.microsoft.com/office/drawing/2014/main" id="{2DF0DEDE-E9AB-909A-24E1-F7CC47F78E36}"/>
+                <a16:creationId xmlns:a16="http://schemas.microsoft.com/office/drawing/2014/main" id="{8070FB54-F464-469B-D1F2-EF7D1F9EFB8C}"/>
               </a:ext>
             </a:extLst>
           </p:cNvPr>
@@ -1396,7 +1396,7 @@
           <a:bodyPr/>
           <a:lstStyle/>
           <a:p>
-            <a:fld id="{9B0C4167-0C9A-4EAB-A7B5-2C8E0F254AD0}" type="datetimeFigureOut">
+            <a:fld id="{411E7C80-2827-4377-B14A-A80ABB7CD3C8}" type="datetimeFigureOut">
               <a:rPr lang="zh-CN" altLang="en-US" smtClean="0"/>
               <a:t>2024/3/10</a:t>
             </a:fld>
@@ -1409,7 +1409,7 @@
           <p:cNvPr id="6" name="页脚占位符 5">
             <a:extLst>
               <a:ext uri="{FF2B5EF4-FFF2-40B4-BE49-F238E27FC236}">
-                <a16:creationId xmlns:a16="http://schemas.microsoft.com/office/drawing/2014/main" id="{9C4AF664-94B7-E420-A5A7-BE1A3CB4E54B}"/>
+                <a16:creationId xmlns:a16="http://schemas.microsoft.com/office/drawing/2014/main" id="{48CB6AA2-8842-AEC1-701A-B9AC325713BF}"/>
               </a:ext>
             </a:extLst>
           </p:cNvPr>
@@ -1434,7 +1434,7 @@
           <p:cNvPr id="7" name="灯片编号占位符 6">
             <a:extLst>
               <a:ext uri="{FF2B5EF4-FFF2-40B4-BE49-F238E27FC236}">
-                <a16:creationId xmlns:a16="http://schemas.microsoft.com/office/drawing/2014/main" id="{DCDA90B7-BB32-6D8A-409B-EB82AA858230}"/>
+                <a16:creationId xmlns:a16="http://schemas.microsoft.com/office/drawing/2014/main" id="{E70DCECF-9055-8942-D16C-44439202B9B8}"/>
               </a:ext>
             </a:extLst>
           </p:cNvPr>
@@ -1450,7 +1450,7 @@
           <a:bodyPr/>
           <a:lstStyle/>
           <a:p>
-            <a:fld id="{D97C83E2-CC1E-48DD-9CF7-CAA73541F1D4}" type="slidenum">
+            <a:fld id="{F952A6E5-C2FD-4D39-8B1D-569E957A19B7}" type="slidenum">
               <a:rPr lang="zh-CN" altLang="en-US" smtClean="0"/>
               <a:t>‹#›</a:t>
             </a:fld>
@@ -1461,7 +1461,7 @@
     </p:spTree>
     <p:extLst>
       <p:ext uri="{BB962C8B-B14F-4D97-AF65-F5344CB8AC3E}">
-        <p14:creationId xmlns:p14="http://schemas.microsoft.com/office/powerpoint/2010/main" val="2520564349"/>
+        <p14:creationId xmlns:p14="http://schemas.microsoft.com/office/powerpoint/2010/main" val="1374130843"/>
       </p:ext>
     </p:extLst>
   </p:cSld>
@@ -1493,7 +1493,7 @@
           <p:cNvPr id="2" name="标题 1">
             <a:extLst>
               <a:ext uri="{FF2B5EF4-FFF2-40B4-BE49-F238E27FC236}">
-                <a16:creationId xmlns:a16="http://schemas.microsoft.com/office/drawing/2014/main" id="{7DFF9E30-AFCC-ABD3-62D7-85790D9ED150}"/>
+                <a16:creationId xmlns:a16="http://schemas.microsoft.com/office/drawing/2014/main" id="{458D90EE-9C4B-C536-D7DF-78E5AF950912}"/>
               </a:ext>
             </a:extLst>
           </p:cNvPr>
@@ -1526,7 +1526,7 @@
           <p:cNvPr id="3" name="文本占位符 2">
             <a:extLst>
               <a:ext uri="{FF2B5EF4-FFF2-40B4-BE49-F238E27FC236}">
-                <a16:creationId xmlns:a16="http://schemas.microsoft.com/office/drawing/2014/main" id="{3BC71B93-14F4-FC85-3297-5AFA769AEC02}"/>
+                <a16:creationId xmlns:a16="http://schemas.microsoft.com/office/drawing/2014/main" id="{26BC215C-E12A-848B-5A9A-B99343BFD9DA}"/>
               </a:ext>
             </a:extLst>
           </p:cNvPr>
@@ -1597,7 +1597,7 @@
           <p:cNvPr id="4" name="内容占位符 3">
             <a:extLst>
               <a:ext uri="{FF2B5EF4-FFF2-40B4-BE49-F238E27FC236}">
-                <a16:creationId xmlns:a16="http://schemas.microsoft.com/office/drawing/2014/main" id="{CFAB8F6B-A97A-A272-D59D-0B5F69AD3982}"/>
+                <a16:creationId xmlns:a16="http://schemas.microsoft.com/office/drawing/2014/main" id="{3AF9CC63-C205-0CBE-EE4A-B5BB0F89B64E}"/>
               </a:ext>
             </a:extLst>
           </p:cNvPr>
@@ -1659,7 +1659,7 @@
           <p:cNvPr id="5" name="文本占位符 4">
             <a:extLst>
               <a:ext uri="{FF2B5EF4-FFF2-40B4-BE49-F238E27FC236}">
-                <a16:creationId xmlns:a16="http://schemas.microsoft.com/office/drawing/2014/main" id="{31BEE2C5-4BAB-2AC7-AFDD-B17151C93093}"/>
+                <a16:creationId xmlns:a16="http://schemas.microsoft.com/office/drawing/2014/main" id="{46197ABF-E6BB-0C7C-E8A8-40F20D49579A}"/>
               </a:ext>
             </a:extLst>
           </p:cNvPr>
@@ -1730,7 +1730,7 @@
           <p:cNvPr id="6" name="内容占位符 5">
             <a:extLst>
               <a:ext uri="{FF2B5EF4-FFF2-40B4-BE49-F238E27FC236}">
-                <a16:creationId xmlns:a16="http://schemas.microsoft.com/office/drawing/2014/main" id="{243B5954-903D-0C4B-1F57-18F07F50DF95}"/>
+                <a16:creationId xmlns:a16="http://schemas.microsoft.com/office/drawing/2014/main" id="{DAF82F6C-8516-664D-2273-78056243EC33}"/>
               </a:ext>
             </a:extLst>
           </p:cNvPr>
@@ -1792,7 +1792,7 @@
           <p:cNvPr id="7" name="日期占位符 6">
             <a:extLst>
               <a:ext uri="{FF2B5EF4-FFF2-40B4-BE49-F238E27FC236}">
-                <a16:creationId xmlns:a16="http://schemas.microsoft.com/office/drawing/2014/main" id="{DE537CD5-BA61-E521-D282-4B6B8722F963}"/>
+                <a16:creationId xmlns:a16="http://schemas.microsoft.com/office/drawing/2014/main" id="{B4BE0CAF-6759-F9DD-1651-90A4ACDE076A}"/>
               </a:ext>
             </a:extLst>
           </p:cNvPr>
@@ -1808,7 +1808,7 @@
           <a:bodyPr/>
           <a:lstStyle/>
           <a:p>
-            <a:fld id="{9B0C4167-0C9A-4EAB-A7B5-2C8E0F254AD0}" type="datetimeFigureOut">
+            <a:fld id="{411E7C80-2827-4377-B14A-A80ABB7CD3C8}" type="datetimeFigureOut">
               <a:rPr lang="zh-CN" altLang="en-US" smtClean="0"/>
               <a:t>2024/3/10</a:t>
             </a:fld>
@@ -1821,7 +1821,7 @@
           <p:cNvPr id="8" name="页脚占位符 7">
             <a:extLst>
               <a:ext uri="{FF2B5EF4-FFF2-40B4-BE49-F238E27FC236}">
-                <a16:creationId xmlns:a16="http://schemas.microsoft.com/office/drawing/2014/main" id="{631D49CF-6017-0C77-1C65-243AE5CCA937}"/>
+                <a16:creationId xmlns:a16="http://schemas.microsoft.com/office/drawing/2014/main" id="{439A0A95-44BB-318E-C6EA-A9EEEFB58153}"/>
               </a:ext>
             </a:extLst>
           </p:cNvPr>
@@ -1846,7 +1846,7 @@
           <p:cNvPr id="9" name="灯片编号占位符 8">
             <a:extLst>
               <a:ext uri="{FF2B5EF4-FFF2-40B4-BE49-F238E27FC236}">
-                <a16:creationId xmlns:a16="http://schemas.microsoft.com/office/drawing/2014/main" id="{D33D1A14-2076-5FB9-967A-E9394083274D}"/>
+                <a16:creationId xmlns:a16="http://schemas.microsoft.com/office/drawing/2014/main" id="{33F59551-E63E-F6EA-F7CE-B84D5A8D1A5A}"/>
               </a:ext>
             </a:extLst>
           </p:cNvPr>
@@ -1862,7 +1862,7 @@
           <a:bodyPr/>
           <a:lstStyle/>
           <a:p>
-            <a:fld id="{D97C83E2-CC1E-48DD-9CF7-CAA73541F1D4}" type="slidenum">
+            <a:fld id="{F952A6E5-C2FD-4D39-8B1D-569E957A19B7}" type="slidenum">
               <a:rPr lang="zh-CN" altLang="en-US" smtClean="0"/>
               <a:t>‹#›</a:t>
             </a:fld>
@@ -1873,7 +1873,7 @@
     </p:spTree>
     <p:extLst>
       <p:ext uri="{BB962C8B-B14F-4D97-AF65-F5344CB8AC3E}">
-        <p14:creationId xmlns:p14="http://schemas.microsoft.com/office/powerpoint/2010/main" val="297161339"/>
+        <p14:creationId xmlns:p14="http://schemas.microsoft.com/office/powerpoint/2010/main" val="752973002"/>
       </p:ext>
     </p:extLst>
   </p:cSld>
@@ -1905,7 +1905,7 @@
           <p:cNvPr id="2" name="标题 1">
             <a:extLst>
               <a:ext uri="{FF2B5EF4-FFF2-40B4-BE49-F238E27FC236}">
-                <a16:creationId xmlns:a16="http://schemas.microsoft.com/office/drawing/2014/main" id="{26C76856-7D04-6C72-15D0-92F9C462694F}"/>
+                <a16:creationId xmlns:a16="http://schemas.microsoft.com/office/drawing/2014/main" id="{CC6BA471-B52B-3332-AC1A-CCEC71E0E295}"/>
               </a:ext>
             </a:extLst>
           </p:cNvPr>
@@ -1933,7 +1933,7 @@
           <p:cNvPr id="3" name="日期占位符 2">
             <a:extLst>
               <a:ext uri="{FF2B5EF4-FFF2-40B4-BE49-F238E27FC236}">
-                <a16:creationId xmlns:a16="http://schemas.microsoft.com/office/drawing/2014/main" id="{3041C3B7-34EE-FA29-9875-77FA5C1A12F1}"/>
+                <a16:creationId xmlns:a16="http://schemas.microsoft.com/office/drawing/2014/main" id="{B93797BA-655C-F37C-0CA9-BE8151561846}"/>
               </a:ext>
             </a:extLst>
           </p:cNvPr>
@@ -1949,7 +1949,7 @@
           <a:bodyPr/>
           <a:lstStyle/>
           <a:p>
-            <a:fld id="{9B0C4167-0C9A-4EAB-A7B5-2C8E0F254AD0}" type="datetimeFigureOut">
+            <a:fld id="{411E7C80-2827-4377-B14A-A80ABB7CD3C8}" type="datetimeFigureOut">
               <a:rPr lang="zh-CN" altLang="en-US" smtClean="0"/>
               <a:t>2024/3/10</a:t>
             </a:fld>
@@ -1962,7 +1962,7 @@
           <p:cNvPr id="4" name="页脚占位符 3">
             <a:extLst>
               <a:ext uri="{FF2B5EF4-FFF2-40B4-BE49-F238E27FC236}">
-                <a16:creationId xmlns:a16="http://schemas.microsoft.com/office/drawing/2014/main" id="{7871D5F3-C2E7-6C3A-17E2-57223B2A7EF3}"/>
+                <a16:creationId xmlns:a16="http://schemas.microsoft.com/office/drawing/2014/main" id="{9EFB044F-8B92-729B-9A47-FD005EF0483F}"/>
               </a:ext>
             </a:extLst>
           </p:cNvPr>
@@ -1987,7 +1987,7 @@
           <p:cNvPr id="5" name="灯片编号占位符 4">
             <a:extLst>
               <a:ext uri="{FF2B5EF4-FFF2-40B4-BE49-F238E27FC236}">
-                <a16:creationId xmlns:a16="http://schemas.microsoft.com/office/drawing/2014/main" id="{4865F87E-C90C-EECF-C86C-48308E3653E0}"/>
+                <a16:creationId xmlns:a16="http://schemas.microsoft.com/office/drawing/2014/main" id="{5A844593-3722-7316-B942-8E62AA119455}"/>
               </a:ext>
             </a:extLst>
           </p:cNvPr>
@@ -2003,7 +2003,7 @@
           <a:bodyPr/>
           <a:lstStyle/>
           <a:p>
-            <a:fld id="{D97C83E2-CC1E-48DD-9CF7-CAA73541F1D4}" type="slidenum">
+            <a:fld id="{F952A6E5-C2FD-4D39-8B1D-569E957A19B7}" type="slidenum">
               <a:rPr lang="zh-CN" altLang="en-US" smtClean="0"/>
               <a:t>‹#›</a:t>
             </a:fld>
@@ -2014,7 +2014,7 @@
     </p:spTree>
     <p:extLst>
       <p:ext uri="{BB962C8B-B14F-4D97-AF65-F5344CB8AC3E}">
-        <p14:creationId xmlns:p14="http://schemas.microsoft.com/office/powerpoint/2010/main" val="1424533585"/>
+        <p14:creationId xmlns:p14="http://schemas.microsoft.com/office/powerpoint/2010/main" val="809277883"/>
       </p:ext>
     </p:extLst>
   </p:cSld>
@@ -2046,7 +2046,7 @@
           <p:cNvPr id="2" name="日期占位符 1">
             <a:extLst>
               <a:ext uri="{FF2B5EF4-FFF2-40B4-BE49-F238E27FC236}">
-                <a16:creationId xmlns:a16="http://schemas.microsoft.com/office/drawing/2014/main" id="{97995E02-0999-8F31-16FE-D0DC0A012434}"/>
+                <a16:creationId xmlns:a16="http://schemas.microsoft.com/office/drawing/2014/main" id="{29ABD923-5EBA-800C-6790-F4D7AA0D9FD1}"/>
               </a:ext>
             </a:extLst>
           </p:cNvPr>
@@ -2062,7 +2062,7 @@
           <a:bodyPr/>
           <a:lstStyle/>
           <a:p>
-            <a:fld id="{9B0C4167-0C9A-4EAB-A7B5-2C8E0F254AD0}" type="datetimeFigureOut">
+            <a:fld id="{411E7C80-2827-4377-B14A-A80ABB7CD3C8}" type="datetimeFigureOut">
               <a:rPr lang="zh-CN" altLang="en-US" smtClean="0"/>
               <a:t>2024/3/10</a:t>
             </a:fld>
@@ -2075,7 +2075,7 @@
           <p:cNvPr id="3" name="页脚占位符 2">
             <a:extLst>
               <a:ext uri="{FF2B5EF4-FFF2-40B4-BE49-F238E27FC236}">
-                <a16:creationId xmlns:a16="http://schemas.microsoft.com/office/drawing/2014/main" id="{EE88207A-DF05-BFEE-7B23-F3E157E1DDB3}"/>
+                <a16:creationId xmlns:a16="http://schemas.microsoft.com/office/drawing/2014/main" id="{CA958CE4-6E8C-C524-386D-FD779F83D073}"/>
               </a:ext>
             </a:extLst>
           </p:cNvPr>
@@ -2100,7 +2100,7 @@
           <p:cNvPr id="4" name="灯片编号占位符 3">
             <a:extLst>
               <a:ext uri="{FF2B5EF4-FFF2-40B4-BE49-F238E27FC236}">
-                <a16:creationId xmlns:a16="http://schemas.microsoft.com/office/drawing/2014/main" id="{DCBE280B-62A1-9467-1B56-1EEE767C41F9}"/>
+                <a16:creationId xmlns:a16="http://schemas.microsoft.com/office/drawing/2014/main" id="{9F3C0E54-FE51-4063-33EB-8BFD8E136621}"/>
               </a:ext>
             </a:extLst>
           </p:cNvPr>
@@ -2116,7 +2116,7 @@
           <a:bodyPr/>
           <a:lstStyle/>
           <a:p>
-            <a:fld id="{D97C83E2-CC1E-48DD-9CF7-CAA73541F1D4}" type="slidenum">
+            <a:fld id="{F952A6E5-C2FD-4D39-8B1D-569E957A19B7}" type="slidenum">
               <a:rPr lang="zh-CN" altLang="en-US" smtClean="0"/>
               <a:t>‹#›</a:t>
             </a:fld>
@@ -2127,7 +2127,7 @@
     </p:spTree>
     <p:extLst>
       <p:ext uri="{BB962C8B-B14F-4D97-AF65-F5344CB8AC3E}">
-        <p14:creationId xmlns:p14="http://schemas.microsoft.com/office/powerpoint/2010/main" val="1167296439"/>
+        <p14:creationId xmlns:p14="http://schemas.microsoft.com/office/powerpoint/2010/main" val="3051887599"/>
       </p:ext>
     </p:extLst>
   </p:cSld>
@@ -2159,7 +2159,7 @@
           <p:cNvPr id="2" name="标题 1">
             <a:extLst>
               <a:ext uri="{FF2B5EF4-FFF2-40B4-BE49-F238E27FC236}">
-                <a16:creationId xmlns:a16="http://schemas.microsoft.com/office/drawing/2014/main" id="{32B5A592-B62C-B278-962E-6437458E0BC8}"/>
+                <a16:creationId xmlns:a16="http://schemas.microsoft.com/office/drawing/2014/main" id="{E678F1C4-F510-BF36-FA38-12306103E4FB}"/>
               </a:ext>
             </a:extLst>
           </p:cNvPr>
@@ -2196,7 +2196,7 @@
           <p:cNvPr id="3" name="内容占位符 2">
             <a:extLst>
               <a:ext uri="{FF2B5EF4-FFF2-40B4-BE49-F238E27FC236}">
-                <a16:creationId xmlns:a16="http://schemas.microsoft.com/office/drawing/2014/main" id="{FEC48583-2D38-3F02-A646-3E579050457E}"/>
+                <a16:creationId xmlns:a16="http://schemas.microsoft.com/office/drawing/2014/main" id="{855BB25B-77FA-984E-8A4E-893FDFCBE869}"/>
               </a:ext>
             </a:extLst>
           </p:cNvPr>
@@ -2286,7 +2286,7 @@
           <p:cNvPr id="4" name="文本占位符 3">
             <a:extLst>
               <a:ext uri="{FF2B5EF4-FFF2-40B4-BE49-F238E27FC236}">
-                <a16:creationId xmlns:a16="http://schemas.microsoft.com/office/drawing/2014/main" id="{53F637DB-3009-C7F3-A1BD-EAC0499F9898}"/>
+                <a16:creationId xmlns:a16="http://schemas.microsoft.com/office/drawing/2014/main" id="{010A504C-4C0A-C2C8-B89E-526193479491}"/>
               </a:ext>
             </a:extLst>
           </p:cNvPr>
@@ -2357,7 +2357,7 @@
           <p:cNvPr id="5" name="日期占位符 4">
             <a:extLst>
               <a:ext uri="{FF2B5EF4-FFF2-40B4-BE49-F238E27FC236}">
-                <a16:creationId xmlns:a16="http://schemas.microsoft.com/office/drawing/2014/main" id="{4B913BE3-FB57-90B6-7176-2C14DFA9DD92}"/>
+                <a16:creationId xmlns:a16="http://schemas.microsoft.com/office/drawing/2014/main" id="{EAB1F90B-A6CB-18B8-D298-4D7031273300}"/>
               </a:ext>
             </a:extLst>
           </p:cNvPr>
@@ -2373,7 +2373,7 @@
           <a:bodyPr/>
           <a:lstStyle/>
           <a:p>
-            <a:fld id="{9B0C4167-0C9A-4EAB-A7B5-2C8E0F254AD0}" type="datetimeFigureOut">
+            <a:fld id="{411E7C80-2827-4377-B14A-A80ABB7CD3C8}" type="datetimeFigureOut">
               <a:rPr lang="zh-CN" altLang="en-US" smtClean="0"/>
               <a:t>2024/3/10</a:t>
             </a:fld>
@@ -2386,7 +2386,7 @@
           <p:cNvPr id="6" name="页脚占位符 5">
             <a:extLst>
               <a:ext uri="{FF2B5EF4-FFF2-40B4-BE49-F238E27FC236}">
-                <a16:creationId xmlns:a16="http://schemas.microsoft.com/office/drawing/2014/main" id="{8072710F-A235-10D3-800B-AD667D985755}"/>
+                <a16:creationId xmlns:a16="http://schemas.microsoft.com/office/drawing/2014/main" id="{EF1B2937-CFE0-7C6C-D6C6-AD1B8010CD0F}"/>
               </a:ext>
             </a:extLst>
           </p:cNvPr>
@@ -2411,7 +2411,7 @@
           <p:cNvPr id="7" name="灯片编号占位符 6">
             <a:extLst>
               <a:ext uri="{FF2B5EF4-FFF2-40B4-BE49-F238E27FC236}">
-                <a16:creationId xmlns:a16="http://schemas.microsoft.com/office/drawing/2014/main" id="{DB823B4B-813C-B3C6-EF2C-196E49912797}"/>
+                <a16:creationId xmlns:a16="http://schemas.microsoft.com/office/drawing/2014/main" id="{051E2B46-D8F3-CCEA-9AF7-133300965EDB}"/>
               </a:ext>
             </a:extLst>
           </p:cNvPr>
@@ -2427,7 +2427,7 @@
           <a:bodyPr/>
           <a:lstStyle/>
           <a:p>
-            <a:fld id="{D97C83E2-CC1E-48DD-9CF7-CAA73541F1D4}" type="slidenum">
+            <a:fld id="{F952A6E5-C2FD-4D39-8B1D-569E957A19B7}" type="slidenum">
               <a:rPr lang="zh-CN" altLang="en-US" smtClean="0"/>
               <a:t>‹#›</a:t>
             </a:fld>
@@ -2438,7 +2438,7 @@
     </p:spTree>
     <p:extLst>
       <p:ext uri="{BB962C8B-B14F-4D97-AF65-F5344CB8AC3E}">
-        <p14:creationId xmlns:p14="http://schemas.microsoft.com/office/powerpoint/2010/main" val="2507141769"/>
+        <p14:creationId xmlns:p14="http://schemas.microsoft.com/office/powerpoint/2010/main" val="1720956849"/>
       </p:ext>
     </p:extLst>
   </p:cSld>
@@ -2470,7 +2470,7 @@
           <p:cNvPr id="2" name="标题 1">
             <a:extLst>
               <a:ext uri="{FF2B5EF4-FFF2-40B4-BE49-F238E27FC236}">
-                <a16:creationId xmlns:a16="http://schemas.microsoft.com/office/drawing/2014/main" id="{357A1803-180E-0F28-739E-F9A7BC9F7CC0}"/>
+                <a16:creationId xmlns:a16="http://schemas.microsoft.com/office/drawing/2014/main" id="{5005A8CE-5001-2C04-1A38-DF8884B4B031}"/>
               </a:ext>
             </a:extLst>
           </p:cNvPr>
@@ -2507,7 +2507,7 @@
           <p:cNvPr id="3" name="图片占位符 2">
             <a:extLst>
               <a:ext uri="{FF2B5EF4-FFF2-40B4-BE49-F238E27FC236}">
-                <a16:creationId xmlns:a16="http://schemas.microsoft.com/office/drawing/2014/main" id="{D27388B4-35F2-6BEB-CE32-327B5515CA65}"/>
+                <a16:creationId xmlns:a16="http://schemas.microsoft.com/office/drawing/2014/main" id="{469989C3-9D34-BC39-B873-3EC508974CE1}"/>
               </a:ext>
             </a:extLst>
           </p:cNvPr>
@@ -2574,7 +2574,7 @@
           <p:cNvPr id="4" name="文本占位符 3">
             <a:extLst>
               <a:ext uri="{FF2B5EF4-FFF2-40B4-BE49-F238E27FC236}">
-                <a16:creationId xmlns:a16="http://schemas.microsoft.com/office/drawing/2014/main" id="{84794F23-2F0F-891A-C95D-098EA4E89425}"/>
+                <a16:creationId xmlns:a16="http://schemas.microsoft.com/office/drawing/2014/main" id="{EDB48BF9-B949-293E-32CF-10F67D70AA3B}"/>
               </a:ext>
             </a:extLst>
           </p:cNvPr>
@@ -2645,7 +2645,7 @@
           <p:cNvPr id="5" name="日期占位符 4">
             <a:extLst>
               <a:ext uri="{FF2B5EF4-FFF2-40B4-BE49-F238E27FC236}">
-                <a16:creationId xmlns:a16="http://schemas.microsoft.com/office/drawing/2014/main" id="{33A0DB44-D717-FC8F-9FCB-004B56A7FF4A}"/>
+                <a16:creationId xmlns:a16="http://schemas.microsoft.com/office/drawing/2014/main" id="{67F5DF4E-E47C-8BCD-86F4-514280C9F526}"/>
               </a:ext>
             </a:extLst>
           </p:cNvPr>
@@ -2661,7 +2661,7 @@
           <a:bodyPr/>
           <a:lstStyle/>
           <a:p>
-            <a:fld id="{9B0C4167-0C9A-4EAB-A7B5-2C8E0F254AD0}" type="datetimeFigureOut">
+            <a:fld id="{411E7C80-2827-4377-B14A-A80ABB7CD3C8}" type="datetimeFigureOut">
               <a:rPr lang="zh-CN" altLang="en-US" smtClean="0"/>
               <a:t>2024/3/10</a:t>
             </a:fld>
@@ -2674,7 +2674,7 @@
           <p:cNvPr id="6" name="页脚占位符 5">
             <a:extLst>
               <a:ext uri="{FF2B5EF4-FFF2-40B4-BE49-F238E27FC236}">
-                <a16:creationId xmlns:a16="http://schemas.microsoft.com/office/drawing/2014/main" id="{D5428822-13B2-A230-5ADB-B8D67EAADF55}"/>
+                <a16:creationId xmlns:a16="http://schemas.microsoft.com/office/drawing/2014/main" id="{3C747C86-30C9-D058-E4BF-39ADC89903B4}"/>
               </a:ext>
             </a:extLst>
           </p:cNvPr>
@@ -2699,7 +2699,7 @@
           <p:cNvPr id="7" name="灯片编号占位符 6">
             <a:extLst>
               <a:ext uri="{FF2B5EF4-FFF2-40B4-BE49-F238E27FC236}">
-                <a16:creationId xmlns:a16="http://schemas.microsoft.com/office/drawing/2014/main" id="{B13DE4EC-F6A8-D8A5-C7A4-ADC508781F90}"/>
+                <a16:creationId xmlns:a16="http://schemas.microsoft.com/office/drawing/2014/main" id="{23FAC2FC-036C-B31A-DA67-1D5CB4B6309F}"/>
               </a:ext>
             </a:extLst>
           </p:cNvPr>
@@ -2715,7 +2715,7 @@
           <a:bodyPr/>
           <a:lstStyle/>
           <a:p>
-            <a:fld id="{D97C83E2-CC1E-48DD-9CF7-CAA73541F1D4}" type="slidenum">
+            <a:fld id="{F952A6E5-C2FD-4D39-8B1D-569E957A19B7}" type="slidenum">
               <a:rPr lang="zh-CN" altLang="en-US" smtClean="0"/>
               <a:t>‹#›</a:t>
             </a:fld>
@@ -2726,7 +2726,7 @@
     </p:spTree>
     <p:extLst>
       <p:ext uri="{BB962C8B-B14F-4D97-AF65-F5344CB8AC3E}">
-        <p14:creationId xmlns:p14="http://schemas.microsoft.com/office/powerpoint/2010/main" val="537934626"/>
+        <p14:creationId xmlns:p14="http://schemas.microsoft.com/office/powerpoint/2010/main" val="271780661"/>
       </p:ext>
     </p:extLst>
   </p:cSld>
@@ -2763,7 +2763,7 @@
           <p:cNvPr id="2" name="标题占位符 1">
             <a:extLst>
               <a:ext uri="{FF2B5EF4-FFF2-40B4-BE49-F238E27FC236}">
-                <a16:creationId xmlns:a16="http://schemas.microsoft.com/office/drawing/2014/main" id="{D5B9B0B0-CF7C-288B-1E9E-39FE2CC89BA9}"/>
+                <a16:creationId xmlns:a16="http://schemas.microsoft.com/office/drawing/2014/main" id="{87A3CDEA-04EB-ABAC-4C4A-AF59705185D2}"/>
               </a:ext>
             </a:extLst>
           </p:cNvPr>
@@ -2801,7 +2801,7 @@
           <p:cNvPr id="3" name="文本占位符 2">
             <a:extLst>
               <a:ext uri="{FF2B5EF4-FFF2-40B4-BE49-F238E27FC236}">
-                <a16:creationId xmlns:a16="http://schemas.microsoft.com/office/drawing/2014/main" id="{3954AADC-56D1-B14C-F4CF-12FA31336828}"/>
+                <a16:creationId xmlns:a16="http://schemas.microsoft.com/office/drawing/2014/main" id="{3E69D769-7548-5D07-18E9-70722005583A}"/>
               </a:ext>
             </a:extLst>
           </p:cNvPr>
@@ -2868,7 +2868,7 @@
           <p:cNvPr id="4" name="日期占位符 3">
             <a:extLst>
               <a:ext uri="{FF2B5EF4-FFF2-40B4-BE49-F238E27FC236}">
-                <a16:creationId xmlns:a16="http://schemas.microsoft.com/office/drawing/2014/main" id="{7CFC07C7-9FE5-26A3-D3E7-F1CF697F71DF}"/>
+                <a16:creationId xmlns:a16="http://schemas.microsoft.com/office/drawing/2014/main" id="{11FBD668-F676-8412-AE0E-1601867344FD}"/>
               </a:ext>
             </a:extLst>
           </p:cNvPr>
@@ -2902,7 +2902,7 @@
             </a:lvl1pPr>
           </a:lstStyle>
           <a:p>
-            <a:fld id="{9B0C4167-0C9A-4EAB-A7B5-2C8E0F254AD0}" type="datetimeFigureOut">
+            <a:fld id="{411E7C80-2827-4377-B14A-A80ABB7CD3C8}" type="datetimeFigureOut">
               <a:rPr lang="zh-CN" altLang="en-US" smtClean="0"/>
               <a:t>2024/3/10</a:t>
             </a:fld>
@@ -2915,7 +2915,7 @@
           <p:cNvPr id="5" name="页脚占位符 4">
             <a:extLst>
               <a:ext uri="{FF2B5EF4-FFF2-40B4-BE49-F238E27FC236}">
-                <a16:creationId xmlns:a16="http://schemas.microsoft.com/office/drawing/2014/main" id="{08109F1D-027A-D3F5-8428-0249098B5FF5}"/>
+                <a16:creationId xmlns:a16="http://schemas.microsoft.com/office/drawing/2014/main" id="{343EBB7A-597D-743C-5BF2-A9AC9F813D6B}"/>
               </a:ext>
             </a:extLst>
           </p:cNvPr>
@@ -2958,7 +2958,7 @@
           <p:cNvPr id="6" name="灯片编号占位符 5">
             <a:extLst>
               <a:ext uri="{FF2B5EF4-FFF2-40B4-BE49-F238E27FC236}">
-                <a16:creationId xmlns:a16="http://schemas.microsoft.com/office/drawing/2014/main" id="{FCD6F0A7-0C92-3496-4077-4D0E2C1C650A}"/>
+                <a16:creationId xmlns:a16="http://schemas.microsoft.com/office/drawing/2014/main" id="{2B70707B-5ACA-6E18-8FEA-284C05DC6D4D}"/>
               </a:ext>
             </a:extLst>
           </p:cNvPr>
@@ -2992,7 +2992,7 @@
             </a:lvl1pPr>
           </a:lstStyle>
           <a:p>
-            <a:fld id="{D97C83E2-CC1E-48DD-9CF7-CAA73541F1D4}" type="slidenum">
+            <a:fld id="{F952A6E5-C2FD-4D39-8B1D-569E957A19B7}" type="slidenum">
               <a:rPr lang="zh-CN" altLang="en-US" smtClean="0"/>
               <a:t>‹#›</a:t>
             </a:fld>
@@ -3003,7 +3003,7 @@
     </p:spTree>
     <p:extLst>
       <p:ext uri="{BB962C8B-B14F-4D97-AF65-F5344CB8AC3E}">
-        <p14:creationId xmlns:p14="http://schemas.microsoft.com/office/powerpoint/2010/main" val="4167518764"/>
+        <p14:creationId xmlns:p14="http://schemas.microsoft.com/office/powerpoint/2010/main" val="2732301742"/>
       </p:ext>
     </p:extLst>
   </p:cSld>
